--- a/Spring Cloud Assignment/电商商品管理微服务.pptx
+++ b/Spring Cloud Assignment/电商商品管理微服务.pptx
@@ -251,7 +251,7 @@
           <a:p>
             <a:fld id="{A7338773-F792-431F-806D-E0373739A288}" type="datetimeFigureOut">
               <a:rPr lang="zh-CN" altLang="en-US" smtClean="0"/>
-              <a:t>2023/1/21</a:t>
+              <a:t>2023/12/29</a:t>
             </a:fld>
             <a:endParaRPr lang="zh-CN" altLang="en-US"/>
           </a:p>
@@ -3066,7 +3066,7 @@
                 </a:solidFill>
               </a:rPr>
               <a:pPr/>
-              <a:t>2023/1/21</a:t>
+              <a:t>2023/12/29</a:t>
             </a:fld>
             <a:endParaRPr lang="zh-CN" altLang="en-US">
               <a:solidFill>
@@ -3296,7 +3296,7 @@
                 </a:solidFill>
               </a:rPr>
               <a:pPr/>
-              <a:t>2023/1/21</a:t>
+              <a:t>2023/12/29</a:t>
             </a:fld>
             <a:endParaRPr lang="zh-CN" altLang="en-US">
               <a:solidFill>
@@ -5662,7 +5662,7 @@
                   <a:cs typeface="+mn-ea"/>
                   <a:sym typeface="+mn-lt"/>
                 </a:rPr>
-                <a:t>指导老师：于鲲鹏     答辩人： </a:t>
+                <a:t>指导老师：于老师     答辩人： </a:t>
               </a:r>
             </a:p>
           </p:txBody>

--- a/Spring Cloud Assignment/电商商品管理微服务.pptx
+++ b/Spring Cloud Assignment/电商商品管理微服务.pptx
@@ -251,7 +251,7 @@
           <a:p>
             <a:fld id="{A7338773-F792-431F-806D-E0373739A288}" type="datetimeFigureOut">
               <a:rPr lang="zh-CN" altLang="en-US" smtClean="0"/>
-              <a:t>2023/1/21</a:t>
+              <a:t>2023/12/30</a:t>
             </a:fld>
             <a:endParaRPr lang="zh-CN" altLang="en-US"/>
           </a:p>
@@ -3066,7 +3066,7 @@
                 </a:solidFill>
               </a:rPr>
               <a:pPr/>
-              <a:t>2023/1/21</a:t>
+              <a:t>2023/12/30</a:t>
             </a:fld>
             <a:endParaRPr lang="zh-CN" altLang="en-US">
               <a:solidFill>
@@ -3296,7 +3296,7 @@
                 </a:solidFill>
               </a:rPr>
               <a:pPr/>
-              <a:t>2023/1/21</a:t>
+              <a:t>2023/12/30</a:t>
             </a:fld>
             <a:endParaRPr lang="zh-CN" altLang="en-US">
               <a:solidFill>
@@ -5614,7 +5614,7 @@
           <p:spPr>
             <a:xfrm>
               <a:off x="3990295" y="4241175"/>
-              <a:ext cx="3368230" cy="369332"/>
+              <a:ext cx="3299301" cy="369332"/>
             </a:xfrm>
             <a:prstGeom prst="rect">
               <a:avLst/>
@@ -5662,7 +5662,39 @@
                   <a:cs typeface="+mn-ea"/>
                   <a:sym typeface="+mn-lt"/>
                 </a:rPr>
-                <a:t>指导老师：于鲲鹏     答辩人： </a:t>
+                <a:t>指导老师</a:t>
+              </a:r>
+              <a:r>
+                <a:rPr lang="zh-CN" altLang="en-US" sz="1800">
+                  <a:solidFill>
+                    <a:schemeClr val="tx1">
+                      <a:lumMod val="65000"/>
+                      <a:lumOff val="35000"/>
+                    </a:schemeClr>
+                  </a:solidFill>
+                  <a:effectLst/>
+                  <a:latin typeface="+mn-lt"/>
+                  <a:ea typeface="+mn-ea"/>
+                  <a:cs typeface="+mn-ea"/>
+                  <a:sym typeface="+mn-lt"/>
+                </a:rPr>
+                <a:t>：于老师    </a:t>
+              </a:r>
+              <a:r>
+                <a:rPr lang="zh-CN" altLang="en-US" sz="1800" dirty="0">
+                  <a:solidFill>
+                    <a:schemeClr val="tx1">
+                      <a:lumMod val="65000"/>
+                      <a:lumOff val="35000"/>
+                    </a:schemeClr>
+                  </a:solidFill>
+                  <a:effectLst/>
+                  <a:latin typeface="+mn-lt"/>
+                  <a:ea typeface="+mn-ea"/>
+                  <a:cs typeface="+mn-ea"/>
+                  <a:sym typeface="+mn-lt"/>
+                </a:rPr>
+                <a:t>答辩人： </a:t>
               </a:r>
             </a:p>
           </p:txBody>
